--- a/11-Health check/Health check.pptx
+++ b/11-Health check/Health check.pptx
@@ -245,7 +245,7 @@
           <a:p>
             <a:fld id="{4A0B7BB0-67F6-4640-A005-9DBC24902D6F}" type="datetimeFigureOut">
               <a:rPr lang="en-SG" smtClean="0"/>
-              <a:t>22/10/2018</a:t>
+              <a:t>23/10/2018</a:t>
             </a:fld>
             <a:endParaRPr lang="en-SG"/>
           </a:p>
@@ -415,7 +415,7 @@
           <a:p>
             <a:fld id="{4A0B7BB0-67F6-4640-A005-9DBC24902D6F}" type="datetimeFigureOut">
               <a:rPr lang="en-SG" smtClean="0"/>
-              <a:t>22/10/2018</a:t>
+              <a:t>23/10/2018</a:t>
             </a:fld>
             <a:endParaRPr lang="en-SG"/>
           </a:p>
@@ -595,7 +595,7 @@
           <a:p>
             <a:fld id="{4A0B7BB0-67F6-4640-A005-9DBC24902D6F}" type="datetimeFigureOut">
               <a:rPr lang="en-SG" smtClean="0"/>
-              <a:t>22/10/2018</a:t>
+              <a:t>23/10/2018</a:t>
             </a:fld>
             <a:endParaRPr lang="en-SG"/>
           </a:p>
@@ -765,7 +765,7 @@
           <a:p>
             <a:fld id="{4A0B7BB0-67F6-4640-A005-9DBC24902D6F}" type="datetimeFigureOut">
               <a:rPr lang="en-SG" smtClean="0"/>
-              <a:t>22/10/2018</a:t>
+              <a:t>23/10/2018</a:t>
             </a:fld>
             <a:endParaRPr lang="en-SG"/>
           </a:p>
@@ -1011,7 +1011,7 @@
           <a:p>
             <a:fld id="{4A0B7BB0-67F6-4640-A005-9DBC24902D6F}" type="datetimeFigureOut">
               <a:rPr lang="en-SG" smtClean="0"/>
-              <a:t>22/10/2018</a:t>
+              <a:t>23/10/2018</a:t>
             </a:fld>
             <a:endParaRPr lang="en-SG"/>
           </a:p>
@@ -1243,7 +1243,7 @@
           <a:p>
             <a:fld id="{4A0B7BB0-67F6-4640-A005-9DBC24902D6F}" type="datetimeFigureOut">
               <a:rPr lang="en-SG" smtClean="0"/>
-              <a:t>22/10/2018</a:t>
+              <a:t>23/10/2018</a:t>
             </a:fld>
             <a:endParaRPr lang="en-SG"/>
           </a:p>
@@ -1610,7 +1610,7 @@
           <a:p>
             <a:fld id="{4A0B7BB0-67F6-4640-A005-9DBC24902D6F}" type="datetimeFigureOut">
               <a:rPr lang="en-SG" smtClean="0"/>
-              <a:t>22/10/2018</a:t>
+              <a:t>23/10/2018</a:t>
             </a:fld>
             <a:endParaRPr lang="en-SG"/>
           </a:p>
@@ -1728,7 +1728,7 @@
           <a:p>
             <a:fld id="{4A0B7BB0-67F6-4640-A005-9DBC24902D6F}" type="datetimeFigureOut">
               <a:rPr lang="en-SG" smtClean="0"/>
-              <a:t>22/10/2018</a:t>
+              <a:t>23/10/2018</a:t>
             </a:fld>
             <a:endParaRPr lang="en-SG"/>
           </a:p>
@@ -1823,7 +1823,7 @@
           <a:p>
             <a:fld id="{4A0B7BB0-67F6-4640-A005-9DBC24902D6F}" type="datetimeFigureOut">
               <a:rPr lang="en-SG" smtClean="0"/>
-              <a:t>22/10/2018</a:t>
+              <a:t>23/10/2018</a:t>
             </a:fld>
             <a:endParaRPr lang="en-SG"/>
           </a:p>
@@ -2100,7 +2100,7 @@
           <a:p>
             <a:fld id="{4A0B7BB0-67F6-4640-A005-9DBC24902D6F}" type="datetimeFigureOut">
               <a:rPr lang="en-SG" smtClean="0"/>
-              <a:t>22/10/2018</a:t>
+              <a:t>23/10/2018</a:t>
             </a:fld>
             <a:endParaRPr lang="en-SG"/>
           </a:p>
@@ -2353,7 +2353,7 @@
           <a:p>
             <a:fld id="{4A0B7BB0-67F6-4640-A005-9DBC24902D6F}" type="datetimeFigureOut">
               <a:rPr lang="en-SG" smtClean="0"/>
-              <a:t>22/10/2018</a:t>
+              <a:t>23/10/2018</a:t>
             </a:fld>
             <a:endParaRPr lang="en-SG"/>
           </a:p>
@@ -2566,7 +2566,7 @@
           <a:p>
             <a:fld id="{4A0B7BB0-67F6-4640-A005-9DBC24902D6F}" type="datetimeFigureOut">
               <a:rPr lang="en-SG" smtClean="0"/>
-              <a:t>22/10/2018</a:t>
+              <a:t>23/10/2018</a:t>
             </a:fld>
             <a:endParaRPr lang="en-SG"/>
           </a:p>
@@ -2957,6 +2957,14 @@
 <file path=ppt/slides/slide1.xml><?xml version="1.0" encoding="utf-8"?>
 <p:sld xmlns:a="http://schemas.openxmlformats.org/drawingml/2006/main" xmlns:r="http://schemas.openxmlformats.org/officeDocument/2006/relationships" xmlns:p="http://schemas.openxmlformats.org/presentationml/2006/main">
   <p:cSld>
+    <p:bg>
+      <p:bgPr>
+        <a:solidFill>
+          <a:schemeClr val="bg1"/>
+        </a:solidFill>
+        <a:effectLst/>
+      </p:bgPr>
+    </p:bg>
     <p:spTree>
       <p:nvGrpSpPr>
         <p:cNvPr id="1" name=""/>
@@ -2973,190 +2981,315 @@
       </p:grpSpPr>
       <p:sp>
         <p:nvSpPr>
-          <p:cNvPr id="3" name="Title 2"/>
-          <p:cNvSpPr>
-            <a:spLocks noGrp="1"/>
-          </p:cNvSpPr>
-          <p:nvPr>
-            <p:ph type="title"/>
+          <p:cNvPr id="10" name="Rectangle 9">
+            <a:extLst>
+              <a:ext uri="{FF2B5EF4-FFF2-40B4-BE49-F238E27FC236}">
+                <a16:creationId xmlns:a16="http://schemas.microsoft.com/office/drawing/2014/main" id="{56C20283-73E0-40EC-8AD8-057F581F64C2}"/>
+              </a:ext>
+              <a:ext uri="{C183D7F6-B498-43B3-948B-1728B52AA6E4}">
+                <adec:decorative xmlns:adec="http://schemas.microsoft.com/office/drawing/2017/decorative" val="1"/>
+              </a:ext>
+            </a:extLst>
+          </p:cNvPr>
+          <p:cNvSpPr>
+            <a:spLocks noGrp="1" noRot="1" noChangeAspect="1" noMove="1" noResize="1" noEditPoints="1" noAdjustHandles="1" noChangeArrowheads="1" noChangeShapeType="1" noTextEdit="1"/>
+          </p:cNvSpPr>
+          <p:nvPr>
+            <p:extLst>
+              <p:ext uri="{386F3935-93C4-4BCD-93E2-E3B085C9AB24}">
+                <p16:designElem xmlns:p16="http://schemas.microsoft.com/office/powerpoint/2015/main" val="1"/>
+              </p:ext>
+            </p:extLst>
           </p:nvPr>
         </p:nvSpPr>
         <p:spPr>
           <a:xfrm>
-            <a:off x="656281" y="265362"/>
-            <a:ext cx="10879439" cy="574516"/>
+            <a:off x="1524" y="0"/>
+            <a:ext cx="12188952" cy="6858000"/>
+          </a:xfrm>
+          <a:prstGeom prst="rect">
+            <a:avLst/>
+          </a:prstGeom>
+          <a:solidFill>
+            <a:schemeClr val="tx1"/>
+          </a:solidFill>
+          <a:ln>
+            <a:noFill/>
+          </a:ln>
+        </p:spPr>
+        <p:style>
+          <a:lnRef idx="2">
+            <a:schemeClr val="accent1">
+              <a:shade val="50000"/>
+            </a:schemeClr>
+          </a:lnRef>
+          <a:fillRef idx="1">
+            <a:schemeClr val="accent1"/>
+          </a:fillRef>
+          <a:effectRef idx="0">
+            <a:schemeClr val="accent1"/>
+          </a:effectRef>
+          <a:fontRef idx="minor">
+            <a:schemeClr val="lt1"/>
+          </a:fontRef>
+        </p:style>
+        <p:txBody>
+          <a:bodyPr rtlCol="0" anchor="ctr"/>
+          <a:lstStyle/>
+          <a:p>
+            <a:pPr algn="ctr"/>
+            <a:endParaRPr lang="en-US"/>
+          </a:p>
+        </p:txBody>
+      </p:sp>
+      <p:sp>
+        <p:nvSpPr>
+          <p:cNvPr id="12" name="Freeform 28">
+            <a:extLst>
+              <a:ext uri="{FF2B5EF4-FFF2-40B4-BE49-F238E27FC236}">
+                <a16:creationId xmlns:a16="http://schemas.microsoft.com/office/drawing/2014/main" id="{3FCC729B-E528-40C3-82D3-BA4375575E87}"/>
+              </a:ext>
+              <a:ext uri="{C183D7F6-B498-43B3-948B-1728B52AA6E4}">
+                <adec:decorative xmlns:adec="http://schemas.microsoft.com/office/drawing/2017/decorative" val="1"/>
+              </a:ext>
+            </a:extLst>
+          </p:cNvPr>
+          <p:cNvSpPr>
+            <a:spLocks noGrp="1" noRot="1" noChangeAspect="1" noMove="1" noResize="1" noEditPoints="1" noAdjustHandles="1" noChangeArrowheads="1" noChangeShapeType="1" noTextEdit="1"/>
+          </p:cNvSpPr>
+          <p:nvPr>
+            <p:extLst>
+              <p:ext uri="{386F3935-93C4-4BCD-93E2-E3B085C9AB24}">
+                <p16:designElem xmlns:p16="http://schemas.microsoft.com/office/powerpoint/2015/main" val="1"/>
+              </p:ext>
+            </p:extLst>
+          </p:nvPr>
+        </p:nvSpPr>
+        <p:spPr>
+          <a:xfrm flipH="1" flipV="1">
+            <a:off x="960120" y="0"/>
+            <a:ext cx="11218661" cy="6858000"/>
+          </a:xfrm>
+          <a:custGeom>
+            <a:avLst/>
+            <a:gdLst>
+              <a:gd name="connsiteX0" fmla="*/ 0 w 11218661"/>
+              <a:gd name="connsiteY0" fmla="*/ 0 h 6858000"/>
+              <a:gd name="connsiteX1" fmla="*/ 8042507 w 11218661"/>
+              <a:gd name="connsiteY1" fmla="*/ 0 h 6858000"/>
+              <a:gd name="connsiteX2" fmla="*/ 11218661 w 11218661"/>
+              <a:gd name="connsiteY2" fmla="*/ 6858000 h 6858000"/>
+              <a:gd name="connsiteX3" fmla="*/ 0 w 11218661"/>
+              <a:gd name="connsiteY3" fmla="*/ 6858000 h 6858000"/>
+            </a:gdLst>
+            <a:ahLst/>
+            <a:cxnLst>
+              <a:cxn ang="0">
+                <a:pos x="connsiteX0" y="connsiteY0"/>
+              </a:cxn>
+              <a:cxn ang="0">
+                <a:pos x="connsiteX1" y="connsiteY1"/>
+              </a:cxn>
+              <a:cxn ang="0">
+                <a:pos x="connsiteX2" y="connsiteY2"/>
+              </a:cxn>
+              <a:cxn ang="0">
+                <a:pos x="connsiteX3" y="connsiteY3"/>
+              </a:cxn>
+            </a:cxnLst>
+            <a:rect l="l" t="t" r="r" b="b"/>
+            <a:pathLst>
+              <a:path w="11218661" h="6858000">
+                <a:moveTo>
+                  <a:pt x="0" y="0"/>
+                </a:moveTo>
+                <a:lnTo>
+                  <a:pt x="8042507" y="0"/>
+                </a:lnTo>
+                <a:lnTo>
+                  <a:pt x="11218661" y="6858000"/>
+                </a:lnTo>
+                <a:lnTo>
+                  <a:pt x="0" y="6858000"/>
+                </a:lnTo>
+                <a:close/>
+              </a:path>
+            </a:pathLst>
+          </a:custGeom>
+          <a:solidFill>
+            <a:schemeClr val="bg1">
+              <a:lumMod val="85000"/>
+              <a:lumOff val="15000"/>
+              <a:alpha val="70000"/>
+            </a:schemeClr>
+          </a:solidFill>
+          <a:ln>
+            <a:noFill/>
+          </a:ln>
+        </p:spPr>
+        <p:style>
+          <a:lnRef idx="2">
+            <a:schemeClr val="accent1">
+              <a:shade val="50000"/>
+            </a:schemeClr>
+          </a:lnRef>
+          <a:fillRef idx="1">
+            <a:schemeClr val="accent1"/>
+          </a:fillRef>
+          <a:effectRef idx="0">
+            <a:schemeClr val="accent1"/>
+          </a:effectRef>
+          <a:fontRef idx="minor">
+            <a:schemeClr val="lt1"/>
+          </a:fontRef>
+        </p:style>
+        <p:txBody>
+          <a:bodyPr wrap="square" rtlCol="0" anchor="ctr">
+            <a:noAutofit/>
+          </a:bodyPr>
+          <a:lstStyle/>
+          <a:p>
+            <a:pPr algn="ctr"/>
+            <a:endParaRPr lang="en-US"/>
+          </a:p>
+        </p:txBody>
+      </p:sp>
+      <p:sp>
+        <p:nvSpPr>
+          <p:cNvPr id="14" name="Freeform 26">
+            <a:extLst>
+              <a:ext uri="{FF2B5EF4-FFF2-40B4-BE49-F238E27FC236}">
+                <a16:creationId xmlns:a16="http://schemas.microsoft.com/office/drawing/2014/main" id="{58F1FB8D-1842-4A04-998D-6CF047AB2790}"/>
+              </a:ext>
+              <a:ext uri="{C183D7F6-B498-43B3-948B-1728B52AA6E4}">
+                <adec:decorative xmlns:adec="http://schemas.microsoft.com/office/drawing/2017/decorative" val="1"/>
+              </a:ext>
+            </a:extLst>
+          </p:cNvPr>
+          <p:cNvSpPr>
+            <a:spLocks noGrp="1" noRot="1" noChangeAspect="1" noMove="1" noResize="1" noEditPoints="1" noAdjustHandles="1" noChangeArrowheads="1" noChangeShapeType="1" noTextEdit="1"/>
+          </p:cNvSpPr>
+          <p:nvPr>
+            <p:extLst>
+              <p:ext uri="{386F3935-93C4-4BCD-93E2-E3B085C9AB24}">
+                <p16:designElem xmlns:p16="http://schemas.microsoft.com/office/powerpoint/2015/main" val="1"/>
+              </p:ext>
+            </p:extLst>
+          </p:nvPr>
+        </p:nvSpPr>
+        <p:spPr>
+          <a:xfrm flipH="1" flipV="1">
+            <a:off x="1420248" y="0"/>
+            <a:ext cx="10771752" cy="6858000"/>
+          </a:xfrm>
+          <a:custGeom>
+            <a:avLst/>
+            <a:gdLst>
+              <a:gd name="connsiteX0" fmla="*/ 0 w 10771752"/>
+              <a:gd name="connsiteY0" fmla="*/ 0 h 6858000"/>
+              <a:gd name="connsiteX1" fmla="*/ 7595598 w 10771752"/>
+              <a:gd name="connsiteY1" fmla="*/ 0 h 6858000"/>
+              <a:gd name="connsiteX2" fmla="*/ 10771752 w 10771752"/>
+              <a:gd name="connsiteY2" fmla="*/ 6858000 h 6858000"/>
+              <a:gd name="connsiteX3" fmla="*/ 0 w 10771752"/>
+              <a:gd name="connsiteY3" fmla="*/ 6858000 h 6858000"/>
+            </a:gdLst>
+            <a:ahLst/>
+            <a:cxnLst>
+              <a:cxn ang="0">
+                <a:pos x="connsiteX0" y="connsiteY0"/>
+              </a:cxn>
+              <a:cxn ang="0">
+                <a:pos x="connsiteX1" y="connsiteY1"/>
+              </a:cxn>
+              <a:cxn ang="0">
+                <a:pos x="connsiteX2" y="connsiteY2"/>
+              </a:cxn>
+              <a:cxn ang="0">
+                <a:pos x="connsiteX3" y="connsiteY3"/>
+              </a:cxn>
+            </a:cxnLst>
+            <a:rect l="l" t="t" r="r" b="b"/>
+            <a:pathLst>
+              <a:path w="10771752" h="6858000">
+                <a:moveTo>
+                  <a:pt x="0" y="0"/>
+                </a:moveTo>
+                <a:lnTo>
+                  <a:pt x="7595598" y="0"/>
+                </a:lnTo>
+                <a:lnTo>
+                  <a:pt x="10771752" y="6858000"/>
+                </a:lnTo>
+                <a:lnTo>
+                  <a:pt x="0" y="6858000"/>
+                </a:lnTo>
+                <a:close/>
+              </a:path>
+            </a:pathLst>
+          </a:custGeom>
+          <a:solidFill>
+            <a:schemeClr val="bg1">
+              <a:lumMod val="85000"/>
+              <a:lumOff val="15000"/>
+            </a:schemeClr>
+          </a:solidFill>
+          <a:ln>
+            <a:noFill/>
+          </a:ln>
+        </p:spPr>
+        <p:style>
+          <a:lnRef idx="2">
+            <a:schemeClr val="accent1">
+              <a:shade val="50000"/>
+            </a:schemeClr>
+          </a:lnRef>
+          <a:fillRef idx="1">
+            <a:schemeClr val="accent1"/>
+          </a:fillRef>
+          <a:effectRef idx="0">
+            <a:schemeClr val="accent1"/>
+          </a:effectRef>
+          <a:fontRef idx="minor">
+            <a:schemeClr val="lt1"/>
+          </a:fontRef>
+        </p:style>
+        <p:txBody>
+          <a:bodyPr wrap="square" rtlCol="0" anchor="ctr">
+            <a:noAutofit/>
+          </a:bodyPr>
+          <a:lstStyle/>
+          <a:p>
+            <a:pPr algn="ctr"/>
+            <a:endParaRPr lang="en-US"/>
+          </a:p>
+        </p:txBody>
+      </p:sp>
+      <p:sp>
+        <p:nvSpPr>
+          <p:cNvPr id="3" name="Title 2"/>
+          <p:cNvSpPr>
+            <a:spLocks noGrp="1"/>
+          </p:cNvSpPr>
+          <p:nvPr>
+            <p:ph type="title"/>
+          </p:nvPr>
+        </p:nvSpPr>
+        <p:spPr>
+          <a:xfrm>
+            <a:off x="4384039" y="365125"/>
+            <a:ext cx="7164493" cy="1325563"/>
           </a:xfrm>
         </p:spPr>
         <p:txBody>
           <a:bodyPr>
-            <a:normAutofit fontScale="90000"/>
+            <a:normAutofit/>
           </a:bodyPr>
           <a:lstStyle/>
           <a:p>
             <a:r>
               <a:rPr lang="en-US" dirty="0"/>
               <a:t>Health Checks</a:t>
-            </a:r>
-          </a:p>
-        </p:txBody>
-      </p:sp>
-      <p:sp>
-        <p:nvSpPr>
-          <p:cNvPr id="4" name="Text Placeholder 3"/>
-          <p:cNvSpPr>
-            <a:spLocks noGrp="1"/>
-          </p:cNvSpPr>
-          <p:nvPr>
-            <p:ph type="body" idx="1"/>
-          </p:nvPr>
-        </p:nvSpPr>
-        <p:spPr>
-          <a:xfrm>
-            <a:off x="656280" y="1391055"/>
-            <a:ext cx="10754265" cy="4973393"/>
-          </a:xfrm>
-        </p:spPr>
-        <p:txBody>
-          <a:bodyPr>
-            <a:normAutofit fontScale="92500"/>
-          </a:bodyPr>
-          <a:lstStyle/>
-          <a:p>
-            <a:pPr marL="457189" indent="-457189">
-              <a:lnSpc>
-                <a:spcPct val="150000"/>
-              </a:lnSpc>
-            </a:pPr>
-            <a:r>
-              <a:rPr lang="en-US" sz="2400" dirty="0"/>
-              <a:t>If your application </a:t>
-            </a:r>
-            <a:r>
-              <a:rPr lang="en-US" sz="2400" b="1" dirty="0"/>
-              <a:t>malfunctions</a:t>
-            </a:r>
-            <a:r>
-              <a:rPr lang="en-US" sz="2400" dirty="0"/>
-              <a:t>, the pod &amp; container can still be running, but the application might not work anymore.</a:t>
-            </a:r>
-          </a:p>
-          <a:p>
-            <a:pPr marL="457189" indent="-457189">
-              <a:lnSpc>
-                <a:spcPct val="150000"/>
-              </a:lnSpc>
-            </a:pPr>
-            <a:r>
-              <a:rPr lang="en-US" sz="2400" dirty="0"/>
-              <a:t>To </a:t>
-            </a:r>
-            <a:r>
-              <a:rPr lang="en-US" sz="2400" b="1" dirty="0"/>
-              <a:t>detect</a:t>
-            </a:r>
-            <a:r>
-              <a:rPr lang="en-US" sz="2400" dirty="0"/>
-              <a:t> &amp; </a:t>
-            </a:r>
-            <a:r>
-              <a:rPr lang="en-US" sz="2400" b="1" dirty="0"/>
-              <a:t>resolve</a:t>
-            </a:r>
-            <a:r>
-              <a:rPr lang="en-US" sz="2400" dirty="0"/>
-              <a:t> problems with your application, you can run </a:t>
-            </a:r>
-            <a:r>
-              <a:rPr lang="en-US" sz="2400" b="1" dirty="0"/>
-              <a:t>health checks </a:t>
-            </a:r>
-          </a:p>
-          <a:p>
-            <a:pPr marL="457189" indent="-457189">
-              <a:lnSpc>
-                <a:spcPct val="150000"/>
-              </a:lnSpc>
-            </a:pPr>
-            <a:r>
-              <a:rPr lang="en-US" sz="2400" dirty="0"/>
-              <a:t>You can run 2 different type of health</a:t>
-            </a:r>
-          </a:p>
-          <a:p>
-            <a:pPr marL="1066773" lvl="1" indent="-457189">
-              <a:lnSpc>
-                <a:spcPct val="150000"/>
-              </a:lnSpc>
-            </a:pPr>
-            <a:r>
-              <a:rPr lang="en-US" dirty="0"/>
-              <a:t>Running a </a:t>
-            </a:r>
-            <a:r>
-              <a:rPr lang="en-US" b="1" dirty="0"/>
-              <a:t>command</a:t>
-            </a:r>
-            <a:r>
-              <a:rPr lang="en-US" dirty="0"/>
-              <a:t> in the container </a:t>
-            </a:r>
-            <a:r>
-              <a:rPr lang="en-US" b="1" dirty="0"/>
-              <a:t>periodically </a:t>
-            </a:r>
-          </a:p>
-          <a:p>
-            <a:pPr marL="1066773" lvl="1" indent="-457189">
-              <a:lnSpc>
-                <a:spcPct val="150000"/>
-              </a:lnSpc>
-            </a:pPr>
-            <a:r>
-              <a:rPr lang="en-US" dirty="0"/>
-              <a:t>Periodic checks on the a </a:t>
-            </a:r>
-            <a:r>
-              <a:rPr lang="en-US" b="1" dirty="0"/>
-              <a:t>URL</a:t>
-            </a:r>
-            <a:r>
-              <a:rPr lang="en-US" dirty="0"/>
-              <a:t> ( HTTP)</a:t>
-            </a:r>
-          </a:p>
-          <a:p>
-            <a:pPr marL="457189" indent="-457189">
-              <a:lnSpc>
-                <a:spcPct val="150000"/>
-              </a:lnSpc>
-            </a:pPr>
-            <a:r>
-              <a:rPr lang="en-US" sz="2400" dirty="0"/>
-              <a:t>The Typical production application behind a load balancer should always have </a:t>
-            </a:r>
-            <a:r>
-              <a:rPr lang="en-US" sz="2400" b="1" dirty="0"/>
-              <a:t>health checks </a:t>
-            </a:r>
-            <a:r>
-              <a:rPr lang="en-US" sz="2400" dirty="0"/>
-              <a:t>implemented in some way to ensure </a:t>
-            </a:r>
-            <a:r>
-              <a:rPr lang="en-US" sz="2400" b="1" dirty="0"/>
-              <a:t>availability</a:t>
-            </a:r>
-            <a:r>
-              <a:rPr lang="en-US" sz="2400" dirty="0"/>
-              <a:t> &amp; </a:t>
-            </a:r>
-            <a:r>
-              <a:rPr lang="en-US" sz="2400" b="1" dirty="0"/>
-              <a:t>resiliency</a:t>
-            </a:r>
-            <a:r>
-              <a:rPr lang="en-US" sz="2400" dirty="0"/>
-              <a:t> of the app. </a:t>
             </a:r>
           </a:p>
         </p:txBody>
@@ -3191,8 +3324,8 @@
         </p:blipFill>
         <p:spPr bwMode="auto">
           <a:xfrm>
-            <a:off x="10486416" y="109337"/>
-            <a:ext cx="1313133" cy="1281718"/>
+            <a:off x="480060" y="1756761"/>
+            <a:ext cx="3425957" cy="3343996"/>
           </a:xfrm>
           <a:prstGeom prst="rect">
             <a:avLst/>
@@ -3209,6 +3342,143 @@
           </a:extLst>
         </p:spPr>
       </p:pic>
+      <p:sp>
+        <p:nvSpPr>
+          <p:cNvPr id="4" name="Text Placeholder 3"/>
+          <p:cNvSpPr>
+            <a:spLocks noGrp="1"/>
+          </p:cNvSpPr>
+          <p:nvPr>
+            <p:ph type="body" idx="1"/>
+          </p:nvPr>
+        </p:nvSpPr>
+        <p:spPr>
+          <a:xfrm>
+            <a:off x="4387515" y="2022601"/>
+            <a:ext cx="7161017" cy="4154361"/>
+          </a:xfrm>
+        </p:spPr>
+        <p:txBody>
+          <a:bodyPr>
+            <a:normAutofit/>
+          </a:bodyPr>
+          <a:lstStyle/>
+          <a:p>
+            <a:pPr marL="457189" indent="-457189"/>
+            <a:r>
+              <a:rPr lang="en-US" sz="2000"/>
+              <a:t>If your application </a:t>
+            </a:r>
+            <a:r>
+              <a:rPr lang="en-US" sz="2000" b="1"/>
+              <a:t>malfunctions</a:t>
+            </a:r>
+            <a:r>
+              <a:rPr lang="en-US" sz="2000"/>
+              <a:t>, the pod &amp; container can still be running, but the application might not work anymore.</a:t>
+            </a:r>
+          </a:p>
+          <a:p>
+            <a:pPr marL="457189" indent="-457189"/>
+            <a:r>
+              <a:rPr lang="en-US" sz="2000"/>
+              <a:t>To </a:t>
+            </a:r>
+            <a:r>
+              <a:rPr lang="en-US" sz="2000" b="1"/>
+              <a:t>detect</a:t>
+            </a:r>
+            <a:r>
+              <a:rPr lang="en-US" sz="2000"/>
+              <a:t> &amp; </a:t>
+            </a:r>
+            <a:r>
+              <a:rPr lang="en-US" sz="2000" b="1"/>
+              <a:t>resolve</a:t>
+            </a:r>
+            <a:r>
+              <a:rPr lang="en-US" sz="2000"/>
+              <a:t> problems with your application, you can run </a:t>
+            </a:r>
+            <a:r>
+              <a:rPr lang="en-US" sz="2000" b="1"/>
+              <a:t>health checks </a:t>
+            </a:r>
+          </a:p>
+          <a:p>
+            <a:pPr marL="457189" indent="-457189"/>
+            <a:r>
+              <a:rPr lang="en-US" sz="2000"/>
+              <a:t>You can run 2 different type of health</a:t>
+            </a:r>
+          </a:p>
+          <a:p>
+            <a:pPr marL="1066773" lvl="1" indent="-457189"/>
+            <a:r>
+              <a:rPr lang="en-US" sz="2000"/>
+              <a:t>Running a </a:t>
+            </a:r>
+            <a:r>
+              <a:rPr lang="en-US" sz="2000" b="1"/>
+              <a:t>command</a:t>
+            </a:r>
+            <a:r>
+              <a:rPr lang="en-US" sz="2000"/>
+              <a:t> in the container </a:t>
+            </a:r>
+            <a:r>
+              <a:rPr lang="en-US" sz="2000" b="1"/>
+              <a:t>periodically </a:t>
+            </a:r>
+          </a:p>
+          <a:p>
+            <a:pPr marL="1066773" lvl="1" indent="-457189"/>
+            <a:r>
+              <a:rPr lang="en-US" sz="2000"/>
+              <a:t>Periodic checks on the a </a:t>
+            </a:r>
+            <a:r>
+              <a:rPr lang="en-US" sz="2000" b="1"/>
+              <a:t>URL</a:t>
+            </a:r>
+            <a:r>
+              <a:rPr lang="en-US" sz="2000"/>
+              <a:t> ( HTTP)</a:t>
+            </a:r>
+          </a:p>
+          <a:p>
+            <a:pPr marL="457189" indent="-457189"/>
+            <a:r>
+              <a:rPr lang="en-US" sz="2000"/>
+              <a:t>The Typical production application behind a load balancer should always have </a:t>
+            </a:r>
+            <a:r>
+              <a:rPr lang="en-US" sz="2000" b="1"/>
+              <a:t>health checks </a:t>
+            </a:r>
+            <a:r>
+              <a:rPr lang="en-US" sz="2000"/>
+              <a:t>implemented in some way to ensure </a:t>
+            </a:r>
+            <a:r>
+              <a:rPr lang="en-US" sz="2000" b="1"/>
+              <a:t>availability</a:t>
+            </a:r>
+            <a:r>
+              <a:rPr lang="en-US" sz="2000"/>
+              <a:t> &amp; </a:t>
+            </a:r>
+            <a:r>
+              <a:rPr lang="en-US" sz="2000" b="1"/>
+              <a:t>resiliency</a:t>
+            </a:r>
+            <a:r>
+              <a:rPr lang="en-US" sz="2000"/>
+              <a:t> of the app. </a:t>
+            </a:r>
+          </a:p>
+        </p:txBody>
+      </p:sp>
     </p:spTree>
     <p:extLst>
       <p:ext uri="{BB962C8B-B14F-4D97-AF65-F5344CB8AC3E}">
@@ -3217,7 +3487,7 @@
     </p:extLst>
   </p:cSld>
   <p:clrMapOvr>
-    <a:masterClrMapping/>
+    <a:overrideClrMapping bg1="dk1" tx1="lt1" bg2="dk2" tx2="lt2" accent1="accent1" accent2="accent2" accent3="accent3" accent4="accent4" accent5="accent5" accent6="accent6" hlink="hlink" folHlink="folHlink"/>
   </p:clrMapOvr>
 </p:sld>
 </file>
@@ -3225,6 +3495,14 @@
 <file path=ppt/slides/slide2.xml><?xml version="1.0" encoding="utf-8"?>
 <p:sld xmlns:a="http://schemas.openxmlformats.org/drawingml/2006/main" xmlns:r="http://schemas.openxmlformats.org/officeDocument/2006/relationships" xmlns:p="http://schemas.openxmlformats.org/presentationml/2006/main">
   <p:cSld>
+    <p:bg>
+      <p:bgPr>
+        <a:solidFill>
+          <a:schemeClr val="bg1"/>
+        </a:solidFill>
+        <a:effectLst/>
+      </p:bgPr>
+    </p:bg>
     <p:spTree>
       <p:nvGrpSpPr>
         <p:cNvPr id="1" name=""/>
@@ -3241,6 +3519,75 @@
       </p:grpSpPr>
       <p:sp>
         <p:nvSpPr>
+          <p:cNvPr id="10" name="Rectangle 9">
+            <a:extLst>
+              <a:ext uri="{FF2B5EF4-FFF2-40B4-BE49-F238E27FC236}">
+                <a16:creationId xmlns:a16="http://schemas.microsoft.com/office/drawing/2014/main" id="{AB45A142-4255-493C-8284-5D566C121B10}"/>
+              </a:ext>
+              <a:ext uri="{C183D7F6-B498-43B3-948B-1728B52AA6E4}">
+                <adec:decorative xmlns:adec="http://schemas.microsoft.com/office/drawing/2017/decorative" val="1"/>
+              </a:ext>
+            </a:extLst>
+          </p:cNvPr>
+          <p:cNvSpPr>
+            <a:spLocks noGrp="1" noRot="1" noChangeAspect="1" noMove="1" noResize="1" noEditPoints="1" noAdjustHandles="1" noChangeArrowheads="1" noChangeShapeType="1" noTextEdit="1"/>
+          </p:cNvSpPr>
+          <p:nvPr>
+            <p:extLst>
+              <p:ext uri="{386F3935-93C4-4BCD-93E2-E3B085C9AB24}">
+                <p16:designElem xmlns:p16="http://schemas.microsoft.com/office/powerpoint/2015/main" val="1"/>
+              </p:ext>
+            </p:extLst>
+          </p:nvPr>
+        </p:nvSpPr>
+        <p:spPr bwMode="ltGray">
+          <a:xfrm>
+            <a:off x="336884" y="321177"/>
+            <a:ext cx="4332307" cy="6179552"/>
+          </a:xfrm>
+          <a:prstGeom prst="rect">
+            <a:avLst/>
+          </a:prstGeom>
+          <a:solidFill>
+            <a:srgbClr val="404040">
+              <a:alpha val="89804"/>
+            </a:srgbClr>
+          </a:solidFill>
+          <a:ln w="127000" cap="sq" cmpd="thinThick">
+            <a:solidFill>
+              <a:srgbClr val="595959">
+                <a:alpha val="80000"/>
+              </a:srgbClr>
+            </a:solidFill>
+          </a:ln>
+        </p:spPr>
+        <p:style>
+          <a:lnRef idx="2">
+            <a:schemeClr val="accent1">
+              <a:shade val="50000"/>
+            </a:schemeClr>
+          </a:lnRef>
+          <a:fillRef idx="1">
+            <a:schemeClr val="accent1"/>
+          </a:fillRef>
+          <a:effectRef idx="0">
+            <a:schemeClr val="accent1"/>
+          </a:effectRef>
+          <a:fontRef idx="minor">
+            <a:schemeClr val="lt1"/>
+          </a:fontRef>
+        </p:style>
+        <p:txBody>
+          <a:bodyPr rtlCol="0" anchor="ctr"/>
+          <a:lstStyle/>
+          <a:p>
+            <a:pPr algn="ctr"/>
+            <a:endParaRPr lang="en-US"/>
+          </a:p>
+        </p:txBody>
+      </p:sp>
+      <p:sp>
+        <p:nvSpPr>
           <p:cNvPr id="3" name="Title 2"/>
           <p:cNvSpPr>
             <a:spLocks noGrp="1"/>
@@ -3251,23 +3598,26 @@
         </p:nvSpPr>
         <p:spPr>
           <a:xfrm>
-            <a:off x="656281" y="265361"/>
-            <a:ext cx="10879439" cy="970779"/>
+            <a:off x="674237" y="914400"/>
+            <a:ext cx="3657600" cy="2887579"/>
           </a:xfrm>
         </p:spPr>
         <p:txBody>
-          <a:bodyPr>
-            <a:normAutofit fontScale="90000"/>
+          <a:bodyPr vert="horz" lIns="91440" tIns="45720" rIns="91440" bIns="45720" rtlCol="0" anchor="b">
+            <a:normAutofit/>
           </a:bodyPr>
           <a:lstStyle/>
           <a:p>
-            <a:pPr>
-              <a:lnSpc>
-                <a:spcPct val="200000"/>
-              </a:lnSpc>
-            </a:pPr>
-            <a:r>
-              <a:rPr lang="en-US" dirty="0"/>
+            <a:pPr algn="ctr"/>
+            <a:r>
+              <a:rPr lang="en-US" sz="4800" kern="1200">
+                <a:solidFill>
+                  <a:srgbClr val="FFFFFF"/>
+                </a:solidFill>
+                <a:latin typeface="+mj-lt"/>
+                <a:ea typeface="+mj-ea"/>
+                <a:cs typeface="+mj-cs"/>
+              </a:rPr>
               <a:t>Demo Placeholder</a:t>
             </a:r>
           </a:p>
@@ -3285,28 +3635,85 @@
         </p:nvSpPr>
         <p:spPr>
           <a:xfrm>
-            <a:off x="767475" y="1496991"/>
-            <a:ext cx="10657048" cy="693439"/>
+            <a:off x="674237" y="4170501"/>
+            <a:ext cx="3657600" cy="1525597"/>
           </a:xfrm>
         </p:spPr>
         <p:txBody>
-          <a:bodyPr>
-            <a:normAutofit fontScale="85000" lnSpcReduction="10000"/>
+          <a:bodyPr vert="horz" lIns="91440" tIns="45720" rIns="91440" bIns="45720" rtlCol="0">
+            <a:normAutofit/>
           </a:bodyPr>
           <a:lstStyle/>
           <a:p>
-            <a:pPr>
-              <a:lnSpc>
-                <a:spcPct val="200000"/>
-              </a:lnSpc>
+            <a:pPr marL="0" indent="0" algn="ctr">
+              <a:buNone/>
             </a:pPr>
             <a:r>
-              <a:rPr lang="en-US" dirty="0"/>
+              <a:rPr lang="en-US" sz="2000" kern="1200">
+                <a:solidFill>
+                  <a:srgbClr val="FFFFFF"/>
+                </a:solidFill>
+                <a:latin typeface="+mn-lt"/>
+                <a:ea typeface="+mn-ea"/>
+                <a:cs typeface="+mn-cs"/>
+              </a:rPr>
               <a:t>Performing health checks </a:t>
             </a:r>
           </a:p>
         </p:txBody>
       </p:sp>
+      <p:cxnSp>
+        <p:nvCxnSpPr>
+          <p:cNvPr id="12" name="Straight Connector 11">
+            <a:extLst>
+              <a:ext uri="{FF2B5EF4-FFF2-40B4-BE49-F238E27FC236}">
+                <a16:creationId xmlns:a16="http://schemas.microsoft.com/office/drawing/2014/main" id="{38FB9660-F42F-4313-BBC4-47C007FE484C}"/>
+              </a:ext>
+              <a:ext uri="{C183D7F6-B498-43B3-948B-1728B52AA6E4}">
+                <adec:decorative xmlns:adec="http://schemas.microsoft.com/office/drawing/2017/decorative" val="1"/>
+              </a:ext>
+            </a:extLst>
+          </p:cNvPr>
+          <p:cNvCxnSpPr>
+            <a:cxnSpLocks noGrp="1" noRot="1" noChangeAspect="1" noMove="1" noResize="1" noEditPoints="1" noAdjustHandles="1" noChangeArrowheads="1" noChangeShapeType="1"/>
+          </p:cNvCxnSpPr>
+          <p:nvPr>
+            <p:extLst>
+              <p:ext uri="{386F3935-93C4-4BCD-93E2-E3B085C9AB24}">
+                <p16:designElem xmlns:p16="http://schemas.microsoft.com/office/powerpoint/2015/main" val="1"/>
+              </p:ext>
+            </p:extLst>
+          </p:nvPr>
+        </p:nvCxnSpPr>
+        <p:spPr>
+          <a:xfrm>
+            <a:off x="1191126" y="3910267"/>
+            <a:ext cx="2586790" cy="0"/>
+          </a:xfrm>
+          <a:prstGeom prst="line">
+            <a:avLst/>
+          </a:prstGeom>
+          <a:ln w="22225">
+            <a:solidFill>
+              <a:srgbClr val="D9D9D9"/>
+            </a:solidFill>
+          </a:ln>
+        </p:spPr>
+        <p:style>
+          <a:lnRef idx="1">
+            <a:schemeClr val="accent1"/>
+          </a:lnRef>
+          <a:fillRef idx="0">
+            <a:schemeClr val="accent1"/>
+          </a:fillRef>
+          <a:effectRef idx="0">
+            <a:schemeClr val="accent1"/>
+          </a:effectRef>
+          <a:fontRef idx="minor">
+            <a:schemeClr val="tx1"/>
+          </a:fontRef>
+        </p:style>
+      </p:cxnSp>
       <p:pic>
         <p:nvPicPr>
           <p:cNvPr id="5" name="Picture 4" descr="Image result for kubernetes">
@@ -3337,8 +3744,8 @@
         </p:blipFill>
         <p:spPr bwMode="auto">
           <a:xfrm>
-            <a:off x="10651786" y="4953712"/>
-            <a:ext cx="1313133" cy="1281718"/>
+            <a:off x="5418128" y="492573"/>
+            <a:ext cx="6024933" cy="5880796"/>
           </a:xfrm>
           <a:prstGeom prst="rect">
             <a:avLst/>
@@ -3371,6 +3778,14 @@
 <file path=ppt/slides/slide3.xml><?xml version="1.0" encoding="utf-8"?>
 <p:sld xmlns:a="http://schemas.openxmlformats.org/drawingml/2006/main" xmlns:r="http://schemas.openxmlformats.org/officeDocument/2006/relationships" xmlns:p="http://schemas.openxmlformats.org/presentationml/2006/main">
   <p:cSld>
+    <p:bg>
+      <p:bgPr>
+        <a:solidFill>
+          <a:schemeClr val="bg1"/>
+        </a:solidFill>
+        <a:effectLst/>
+      </p:bgPr>
+    </p:bg>
     <p:spTree>
       <p:nvGrpSpPr>
         <p:cNvPr id="1" name=""/>
@@ -3385,6 +3800,143 @@
           <a:chExt cx="0" cy="0"/>
         </a:xfrm>
       </p:grpSpPr>
+      <p:sp>
+        <p:nvSpPr>
+          <p:cNvPr id="14" name="Rectangle 13">
+            <a:extLst>
+              <a:ext uri="{FF2B5EF4-FFF2-40B4-BE49-F238E27FC236}">
+                <a16:creationId xmlns:a16="http://schemas.microsoft.com/office/drawing/2014/main" id="{A9F529C3-C941-49FD-8C67-82F134F64BDB}"/>
+              </a:ext>
+              <a:ext uri="{C183D7F6-B498-43B3-948B-1728B52AA6E4}">
+                <adec:decorative xmlns:adec="http://schemas.microsoft.com/office/drawing/2017/decorative" val="1"/>
+              </a:ext>
+            </a:extLst>
+          </p:cNvPr>
+          <p:cNvSpPr>
+            <a:spLocks noGrp="1" noRot="1" noChangeAspect="1" noMove="1" noResize="1" noEditPoints="1" noAdjustHandles="1" noChangeArrowheads="1" noChangeShapeType="1" noTextEdit="1"/>
+          </p:cNvSpPr>
+          <p:nvPr>
+            <p:extLst>
+              <p:ext uri="{386F3935-93C4-4BCD-93E2-E3B085C9AB24}">
+                <p16:designElem xmlns:p16="http://schemas.microsoft.com/office/powerpoint/2015/main" val="1"/>
+              </p:ext>
+            </p:extLst>
+          </p:nvPr>
+        </p:nvSpPr>
+        <p:spPr>
+          <a:xfrm>
+            <a:off x="0" y="0"/>
+            <a:ext cx="12192000" cy="6858000"/>
+          </a:xfrm>
+          <a:prstGeom prst="rect">
+            <a:avLst/>
+          </a:prstGeom>
+          <a:solidFill>
+            <a:schemeClr val="tx1">
+              <a:lumMod val="50000"/>
+              <a:lumOff val="50000"/>
+              <a:alpha val="30000"/>
+            </a:schemeClr>
+          </a:solidFill>
+          <a:ln>
+            <a:noFill/>
+          </a:ln>
+        </p:spPr>
+        <p:style>
+          <a:lnRef idx="2">
+            <a:schemeClr val="accent1">
+              <a:shade val="50000"/>
+            </a:schemeClr>
+          </a:lnRef>
+          <a:fillRef idx="1">
+            <a:schemeClr val="accent1"/>
+          </a:fillRef>
+          <a:effectRef idx="0">
+            <a:schemeClr val="accent1"/>
+          </a:effectRef>
+          <a:fontRef idx="minor">
+            <a:schemeClr val="lt1"/>
+          </a:fontRef>
+        </p:style>
+        <p:txBody>
+          <a:bodyPr rtlCol="0" anchor="ctr"/>
+          <a:lstStyle/>
+          <a:p>
+            <a:pPr algn="ctr"/>
+            <a:endParaRPr lang="en-US"/>
+          </a:p>
+        </p:txBody>
+      </p:sp>
+      <p:sp>
+        <p:nvSpPr>
+          <p:cNvPr id="16" name="Rectangle 15">
+            <a:extLst>
+              <a:ext uri="{FF2B5EF4-FFF2-40B4-BE49-F238E27FC236}">
+                <a16:creationId xmlns:a16="http://schemas.microsoft.com/office/drawing/2014/main" id="{20586029-32A0-47E5-9AEC-AE3ABA6B94D0}"/>
+              </a:ext>
+              <a:ext uri="{C183D7F6-B498-43B3-948B-1728B52AA6E4}">
+                <adec:decorative xmlns:adec="http://schemas.microsoft.com/office/drawing/2017/decorative" val="1"/>
+              </a:ext>
+            </a:extLst>
+          </p:cNvPr>
+          <p:cNvSpPr>
+            <a:spLocks noGrp="1" noRot="1" noChangeAspect="1" noMove="1" noResize="1" noEditPoints="1" noAdjustHandles="1" noChangeArrowheads="1" noChangeShapeType="1" noTextEdit="1"/>
+          </p:cNvSpPr>
+          <p:nvPr>
+            <p:extLst>
+              <p:ext uri="{386F3935-93C4-4BCD-93E2-E3B085C9AB24}">
+                <p16:designElem xmlns:p16="http://schemas.microsoft.com/office/powerpoint/2015/main" val="1"/>
+              </p:ext>
+            </p:extLst>
+          </p:nvPr>
+        </p:nvSpPr>
+        <p:spPr>
+          <a:xfrm>
+            <a:off x="477012" y="480060"/>
+            <a:ext cx="11237976" cy="5897880"/>
+          </a:xfrm>
+          <a:prstGeom prst="rect">
+            <a:avLst/>
+          </a:prstGeom>
+          <a:solidFill>
+            <a:srgbClr val="FFFFFF"/>
+          </a:solidFill>
+          <a:ln w="9525">
+            <a:noFill/>
+          </a:ln>
+          <a:effectLst>
+            <a:outerShdw blurRad="63500" dist="17780" dir="5400000" algn="t" rotWithShape="0">
+              <a:prstClr val="black">
+                <a:alpha val="43000"/>
+              </a:prstClr>
+            </a:outerShdw>
+          </a:effectLst>
+        </p:spPr>
+        <p:style>
+          <a:lnRef idx="2">
+            <a:schemeClr val="accent1">
+              <a:shade val="50000"/>
+            </a:schemeClr>
+          </a:lnRef>
+          <a:fillRef idx="1">
+            <a:schemeClr val="accent1"/>
+          </a:fillRef>
+          <a:effectRef idx="0">
+            <a:schemeClr val="accent1"/>
+          </a:effectRef>
+          <a:fontRef idx="minor">
+            <a:schemeClr val="lt1"/>
+          </a:fontRef>
+        </p:style>
+        <p:txBody>
+          <a:bodyPr rtlCol="0" anchor="ctr"/>
+          <a:lstStyle/>
+          <a:p>
+            <a:pPr algn="ctr"/>
+            <a:endParaRPr lang="en-US"/>
+          </a:p>
+        </p:txBody>
+      </p:sp>
       <p:pic>
         <p:nvPicPr>
           <p:cNvPr id="9" name="Content Placeholder 8">
@@ -3415,14 +3967,66 @@
         </p:blipFill>
         <p:spPr>
           <a:xfrm>
-            <a:off x="1120478" y="1193397"/>
-            <a:ext cx="7009396" cy="4465060"/>
+            <a:off x="643467" y="1742604"/>
+            <a:ext cx="5294716" cy="3372790"/>
           </a:xfrm>
           <a:prstGeom prst="rect">
             <a:avLst/>
           </a:prstGeom>
         </p:spPr>
       </p:pic>
+      <p:cxnSp>
+        <p:nvCxnSpPr>
+          <p:cNvPr id="18" name="Straight Connector 17">
+            <a:extLst>
+              <a:ext uri="{FF2B5EF4-FFF2-40B4-BE49-F238E27FC236}">
+                <a16:creationId xmlns:a16="http://schemas.microsoft.com/office/drawing/2014/main" id="{8C730EAB-A532-4295-A302-FB4B90DB9F5E}"/>
+              </a:ext>
+              <a:ext uri="{C183D7F6-B498-43B3-948B-1728B52AA6E4}">
+                <adec:decorative xmlns:adec="http://schemas.microsoft.com/office/drawing/2017/decorative" val="1"/>
+              </a:ext>
+            </a:extLst>
+          </p:cNvPr>
+          <p:cNvCxnSpPr>
+            <a:cxnSpLocks noGrp="1" noRot="1" noChangeAspect="1" noMove="1" noResize="1" noEditPoints="1" noAdjustHandles="1" noChangeArrowheads="1" noChangeShapeType="1"/>
+          </p:cNvCxnSpPr>
+          <p:nvPr>
+            <p:extLst>
+              <p:ext uri="{386F3935-93C4-4BCD-93E2-E3B085C9AB24}">
+                <p16:designElem xmlns:p16="http://schemas.microsoft.com/office/powerpoint/2015/main" val="1"/>
+              </p:ext>
+            </p:extLst>
+          </p:nvPr>
+        </p:nvCxnSpPr>
+        <p:spPr>
+          <a:xfrm>
+            <a:off x="6079958" y="1143000"/>
+            <a:ext cx="0" cy="4572000"/>
+          </a:xfrm>
+          <a:prstGeom prst="line">
+            <a:avLst/>
+          </a:prstGeom>
+          <a:ln>
+            <a:solidFill>
+              <a:srgbClr val="4E4E4E"/>
+            </a:solidFill>
+          </a:ln>
+        </p:spPr>
+        <p:style>
+          <a:lnRef idx="1">
+            <a:schemeClr val="accent1"/>
+          </a:lnRef>
+          <a:fillRef idx="0">
+            <a:schemeClr val="accent1"/>
+          </a:fillRef>
+          <a:effectRef idx="0">
+            <a:schemeClr val="accent1"/>
+          </a:effectRef>
+          <a:fontRef idx="minor">
+            <a:schemeClr val="tx1"/>
+          </a:fontRef>
+        </p:style>
+      </p:cxnSp>
       <p:pic>
         <p:nvPicPr>
           <p:cNvPr id="3" name="Picture 3" descr="Image result for kubernetes">
@@ -3453,8 +4057,8 @@
         </p:blipFill>
         <p:spPr bwMode="auto">
           <a:xfrm>
-            <a:off x="10391246" y="5222448"/>
-            <a:ext cx="1675638" cy="1635551"/>
+            <a:off x="6253817" y="844976"/>
+            <a:ext cx="5294715" cy="5168047"/>
           </a:xfrm>
           <a:prstGeom prst="rect">
             <a:avLst/>
